--- a/slides/slides_22122023.pptx
+++ b/slides/slides_22122023.pptx
@@ -20602,7 +20602,19 @@
           <a:p>
             <a:r>
               <a:rPr lang="fr-FR" dirty="0"/>
-              <a:t>Project</a:t>
+              <a:t>Project: </a:t>
+            </a:r>
+            <a:r>
+              <a:rPr lang="fr-FR" dirty="0" err="1"/>
+              <a:t>some</a:t>
+            </a:r>
+            <a:r>
+              <a:rPr lang="fr-FR" dirty="0"/>
+              <a:t> </a:t>
+            </a:r>
+            <a:r>
+              <a:rPr lang="fr-FR"/>
+              <a:t>details</a:t>
             </a:r>
             <a:endParaRPr lang="en-US" dirty="0"/>
           </a:p>
@@ -20652,6 +20664,15 @@
             <a:r>
               <a:rPr lang="fr-FR" dirty="0"/>
               <a:t> and July</a:t>
+            </a:r>
+          </a:p>
+          <a:p>
+            <a:endParaRPr lang="fr-FR" dirty="0"/>
+          </a:p>
+          <a:p>
+            <a:r>
+              <a:rPr lang="fr-FR" dirty="0"/>
+              <a:t>Installation date: Oct-2017</a:t>
             </a:r>
             <a:endParaRPr lang="en-US" dirty="0"/>
           </a:p>
@@ -22559,26 +22580,6 @@
 </file>
 
 <file path=customXml/item1.xml><?xml version="1.0" encoding="utf-8"?>
-<?mso-contentType ?>
-<FormTemplates xmlns="http://schemas.microsoft.com/sharepoint/v3/contenttype/forms">
-  <Display>DocumentLibraryForm</Display>
-  <Edit>DocumentLibraryForm</Edit>
-  <New>DocumentLibraryForm</New>
-</FormTemplates>
-</file>
-
-<file path=customXml/item2.xml><?xml version="1.0" encoding="utf-8"?>
-<p:properties xmlns:p="http://schemas.microsoft.com/office/2006/metadata/properties" xmlns:xsi="http://www.w3.org/2001/XMLSchema-instance" xmlns:pc="http://schemas.microsoft.com/office/infopath/2007/PartnerControls">
-  <documentManagement>
-    <lcf76f155ced4ddcb4097134ff3c332f xmlns="4c2def87-6459-45fe-82b8-2c44ad774fe7">
-      <Terms xmlns="http://schemas.microsoft.com/office/infopath/2007/PartnerControls"/>
-    </lcf76f155ced4ddcb4097134ff3c332f>
-    <TaxCatchAll xmlns="284c3d22-818e-4cb3-91ed-c315e7cac822" xsi:nil="true"/>
-  </documentManagement>
-</p:properties>
-</file>
-
-<file path=customXml/item3.xml><?xml version="1.0" encoding="utf-8"?>
 <ct:contentTypeSchema xmlns:ct="http://schemas.microsoft.com/office/2006/metadata/contentType" xmlns:ma="http://schemas.microsoft.com/office/2006/metadata/properties/metaAttributes" ct:_="" ma:_="" ma:contentTypeName="Document" ma:contentTypeID="0x01010041F95B9FA815364FBC35CFCC50A6DF2E" ma:contentTypeVersion="14" ma:contentTypeDescription="Create a new document." ma:contentTypeScope="" ma:versionID="79a45fa4d5681b63d051de39515cb8e3">
   <xsd:schema xmlns:xsd="http://www.w3.org/2001/XMLSchema" xmlns:xs="http://www.w3.org/2001/XMLSchema" xmlns:p="http://schemas.microsoft.com/office/2006/metadata/properties" xmlns:ns2="4c2def87-6459-45fe-82b8-2c44ad774fe7" xmlns:ns3="284c3d22-818e-4cb3-91ed-c315e7cac822" targetNamespace="http://schemas.microsoft.com/office/2006/metadata/properties" ma:root="true" ma:fieldsID="8d96ec500039b56ee849b1547a40a351" ns2:_="" ns3:_="">
     <xsd:import namespace="4c2def87-6459-45fe-82b8-2c44ad774fe7"/>
@@ -22807,32 +22808,27 @@
 </ct:contentTypeSchema>
 </file>
 
-<file path=customXml/itemProps1.xml><?xml version="1.0" encoding="utf-8"?>
-<ds:datastoreItem xmlns:ds="http://schemas.openxmlformats.org/officeDocument/2006/customXml" ds:itemID="{2664B94C-923D-4FDF-A77E-CE30A0087E87}">
-  <ds:schemaRefs>
-    <ds:schemaRef ds:uri="http://schemas.microsoft.com/sharepoint/v3/contenttype/forms"/>
-  </ds:schemaRefs>
-</ds:datastoreItem>
+<file path=customXml/item2.xml><?xml version="1.0" encoding="utf-8"?>
+<p:properties xmlns:p="http://schemas.microsoft.com/office/2006/metadata/properties" xmlns:xsi="http://www.w3.org/2001/XMLSchema-instance" xmlns:pc="http://schemas.microsoft.com/office/infopath/2007/PartnerControls">
+  <documentManagement>
+    <lcf76f155ced4ddcb4097134ff3c332f xmlns="4c2def87-6459-45fe-82b8-2c44ad774fe7">
+      <Terms xmlns="http://schemas.microsoft.com/office/infopath/2007/PartnerControls"/>
+    </lcf76f155ced4ddcb4097134ff3c332f>
+    <TaxCatchAll xmlns="284c3d22-818e-4cb3-91ed-c315e7cac822" xsi:nil="true"/>
+  </documentManagement>
+</p:properties>
 </file>
 
-<file path=customXml/itemProps2.xml><?xml version="1.0" encoding="utf-8"?>
-<ds:datastoreItem xmlns:ds="http://schemas.openxmlformats.org/officeDocument/2006/customXml" ds:itemID="{ACD7CA8D-F7E9-4DB4-9EFF-5F098173D501}">
-  <ds:schemaRefs>
-    <ds:schemaRef ds:uri="http://schemas.microsoft.com/office/2006/metadata/properties"/>
-    <ds:schemaRef ds:uri="http://purl.org/dc/terms/"/>
-    <ds:schemaRef ds:uri="http://purl.org/dc/dcmitype/"/>
-    <ds:schemaRef ds:uri="http://schemas.openxmlformats.org/package/2006/metadata/core-properties"/>
-    <ds:schemaRef ds:uri="4c2def87-6459-45fe-82b8-2c44ad774fe7"/>
-    <ds:schemaRef ds:uri="http://purl.org/dc/elements/1.1/"/>
-    <ds:schemaRef ds:uri="http://schemas.microsoft.com/office/2006/documentManagement/types"/>
-    <ds:schemaRef ds:uri="http://schemas.microsoft.com/office/infopath/2007/PartnerControls"/>
-    <ds:schemaRef ds:uri="284c3d22-818e-4cb3-91ed-c315e7cac822"/>
-    <ds:schemaRef ds:uri="http://www.w3.org/XML/1998/namespace"/>
-  </ds:schemaRefs>
-</ds:datastoreItem>
+<file path=customXml/item3.xml><?xml version="1.0" encoding="utf-8"?>
+<?mso-contentType ?>
+<FormTemplates xmlns="http://schemas.microsoft.com/sharepoint/v3/contenttype/forms">
+  <Display>DocumentLibraryForm</Display>
+  <Edit>DocumentLibraryForm</Edit>
+  <New>DocumentLibraryForm</New>
+</FormTemplates>
 </file>
 
-<file path=customXml/itemProps3.xml><?xml version="1.0" encoding="utf-8"?>
+<file path=customXml/itemProps1.xml><?xml version="1.0" encoding="utf-8"?>
 <ds:datastoreItem xmlns:ds="http://schemas.openxmlformats.org/officeDocument/2006/customXml" ds:itemID="{D0A8C6C5-AEB9-4E3A-BA66-1F590519ED94}">
   <ds:schemaRefs>
     <ds:schemaRef ds:uri="http://schemas.microsoft.com/office/2006/metadata/contentType"/>
@@ -22849,4 +22845,29 @@
     <ds:schemaRef ds:uri="http://schemas.microsoft.com/internal/obd"/>
   </ds:schemaRefs>
 </ds:datastoreItem>
+</file>
+
+<file path=customXml/itemProps2.xml><?xml version="1.0" encoding="utf-8"?>
+<ds:datastoreItem xmlns:ds="http://schemas.openxmlformats.org/officeDocument/2006/customXml" ds:itemID="{ACD7CA8D-F7E9-4DB4-9EFF-5F098173D501}">
+  <ds:schemaRefs>
+    <ds:schemaRef ds:uri="http://purl.org/dc/elements/1.1/"/>
+    <ds:schemaRef ds:uri="http://schemas.microsoft.com/office/2006/documentManagement/types"/>
+    <ds:schemaRef ds:uri="284c3d22-818e-4cb3-91ed-c315e7cac822"/>
+    <ds:schemaRef ds:uri="http://schemas.openxmlformats.org/package/2006/metadata/core-properties"/>
+    <ds:schemaRef ds:uri="http://purl.org/dc/terms/"/>
+    <ds:schemaRef ds:uri="http://schemas.microsoft.com/office/infopath/2007/PartnerControls"/>
+    <ds:schemaRef ds:uri="http://purl.org/dc/dcmitype/"/>
+    <ds:schemaRef ds:uri="http://schemas.microsoft.com/office/2006/metadata/properties"/>
+    <ds:schemaRef ds:uri="4c2def87-6459-45fe-82b8-2c44ad774fe7"/>
+    <ds:schemaRef ds:uri="http://www.w3.org/XML/1998/namespace"/>
+  </ds:schemaRefs>
+</ds:datastoreItem>
+</file>
+
+<file path=customXml/itemProps3.xml><?xml version="1.0" encoding="utf-8"?>
+<ds:datastoreItem xmlns:ds="http://schemas.openxmlformats.org/officeDocument/2006/customXml" ds:itemID="{2664B94C-923D-4FDF-A77E-CE30A0087E87}">
+  <ds:schemaRefs>
+    <ds:schemaRef ds:uri="http://schemas.microsoft.com/sharepoint/v3/contenttype/forms"/>
+  </ds:schemaRefs>
+</ds:datastoreItem>
 </file>
--- a/slides/slides_22122023.pptx
+++ b/slides/slides_22122023.pptx
@@ -5,10 +5,10 @@
     <p:sldMasterId id="2147483648" r:id="rId4"/>
   </p:sldMasterIdLst>
   <p:notesMasterIdLst>
-    <p:notesMasterId r:id="rId11"/>
+    <p:notesMasterId r:id="rId12"/>
   </p:notesMasterIdLst>
   <p:handoutMasterIdLst>
-    <p:handoutMasterId r:id="rId12"/>
+    <p:handoutMasterId r:id="rId13"/>
   </p:handoutMasterIdLst>
   <p:sldIdLst>
     <p:sldId id="1147" r:id="rId5"/>
@@ -16,7 +16,8 @@
     <p:sldId id="1311" r:id="rId7"/>
     <p:sldId id="1323" r:id="rId8"/>
     <p:sldId id="1322" r:id="rId9"/>
-    <p:sldId id="1321" r:id="rId10"/>
+    <p:sldId id="1324" r:id="rId10"/>
+    <p:sldId id="1321" r:id="rId11"/>
   </p:sldIdLst>
   <p:sldSz cx="12192000" cy="6858000"/>
   <p:notesSz cx="6858000" cy="9144000"/>
@@ -15595,7 +15596,7 @@
           <a:p>
             <a:fld id="{7039F3EA-1319-4642-9CD9-713F652E0847}" type="datetime1">
               <a:rPr lang="fr-FR" smtClean="0"/>
-              <a:t>19/12/2023</a:t>
+              <a:t>22/12/2023</a:t>
             </a:fld>
             <a:endParaRPr lang="en-US"/>
           </a:p>
@@ -15776,7 +15777,7 @@
           <a:p>
             <a:fld id="{F1AF66A5-879E-4F3C-BFD2-FFD0C6C04055}" type="datetime1">
               <a:rPr lang="fr-FR" smtClean="0"/>
-              <a:t>19/12/2023</a:t>
+              <a:t>22/12/2023</a:t>
             </a:fld>
             <a:endParaRPr lang="fr-FR"/>
           </a:p>
@@ -16554,7 +16555,7 @@
             </a:fld>
             <a:r>
               <a:rPr lang="fr-FR" dirty="0"/>
-              <a:t> / 5</a:t>
+              <a:t> / 6</a:t>
             </a:r>
           </a:p>
         </p:txBody>
@@ -20298,10 +20299,10 @@
       </p:sp>
       <p:sp>
         <p:nvSpPr>
-          <p:cNvPr id="6" name="Espace réservé du numéro de diapositive 5">
+          <p:cNvPr id="4" name="Espace réservé du numéro de diapositive 3">
             <a:extLst>
               <a:ext uri="{FF2B5EF4-FFF2-40B4-BE49-F238E27FC236}">
-                <a16:creationId xmlns:a16="http://schemas.microsoft.com/office/drawing/2014/main" id="{D561F55C-B8EF-819C-C576-520B8BB0DD5E}"/>
+                <a16:creationId xmlns:a16="http://schemas.microsoft.com/office/drawing/2014/main" id="{0117E245-489B-8A7A-F7B5-31DDCF597675}"/>
               </a:ext>
             </a:extLst>
           </p:cNvPr>
@@ -20324,7 +20325,7 @@
             </a:fld>
             <a:r>
               <a:rPr lang="fr-FR"/>
-              <a:t> / 5</a:t>
+              <a:t> / 6</a:t>
             </a:r>
             <a:endParaRPr lang="fr-FR" dirty="0"/>
           </a:p>
@@ -20517,10 +20518,10 @@
       </p:sp>
       <p:sp>
         <p:nvSpPr>
-          <p:cNvPr id="4" name="Espace réservé du numéro de diapositive 3">
+          <p:cNvPr id="2" name="Espace réservé du numéro de diapositive 1">
             <a:extLst>
               <a:ext uri="{FF2B5EF4-FFF2-40B4-BE49-F238E27FC236}">
-                <a16:creationId xmlns:a16="http://schemas.microsoft.com/office/drawing/2014/main" id="{A6E2BAFB-CC3D-DBA5-DAB0-2EEFD13C7A58}"/>
+                <a16:creationId xmlns:a16="http://schemas.microsoft.com/office/drawing/2014/main" id="{E0E0D467-06A3-74A0-9DC6-679CCCFFDEE7}"/>
               </a:ext>
             </a:extLst>
           </p:cNvPr>
@@ -20543,7 +20544,7 @@
             </a:fld>
             <a:r>
               <a:rPr lang="fr-FR"/>
-              <a:t> / 5</a:t>
+              <a:t> / 6</a:t>
             </a:r>
             <a:endParaRPr lang="fr-FR" dirty="0"/>
           </a:p>
@@ -20680,10 +20681,10 @@
       </p:sp>
       <p:sp>
         <p:nvSpPr>
-          <p:cNvPr id="5" name="Espace réservé du numéro de diapositive 4">
+          <p:cNvPr id="3" name="Espace réservé du numéro de diapositive 2">
             <a:extLst>
               <a:ext uri="{FF2B5EF4-FFF2-40B4-BE49-F238E27FC236}">
-                <a16:creationId xmlns:a16="http://schemas.microsoft.com/office/drawing/2014/main" id="{43981D37-072F-82A1-0A43-CC996274D958}"/>
+                <a16:creationId xmlns:a16="http://schemas.microsoft.com/office/drawing/2014/main" id="{EABE306B-1B16-A9B2-FDCB-7BF030A5EE01}"/>
               </a:ext>
             </a:extLst>
           </p:cNvPr>
@@ -20706,7 +20707,7 @@
             </a:fld>
             <a:r>
               <a:rPr lang="fr-FR"/>
-              <a:t> / 5</a:t>
+              <a:t> / 6</a:t>
             </a:r>
             <a:endParaRPr lang="fr-FR" dirty="0"/>
           </a:p>
@@ -21481,10 +21482,10 @@
       </p:sp>
       <p:sp>
         <p:nvSpPr>
-          <p:cNvPr id="13" name="Espace réservé du numéro de diapositive 12">
+          <p:cNvPr id="3" name="Espace réservé du numéro de diapositive 2">
             <a:extLst>
               <a:ext uri="{FF2B5EF4-FFF2-40B4-BE49-F238E27FC236}">
-                <a16:creationId xmlns:a16="http://schemas.microsoft.com/office/drawing/2014/main" id="{5657126F-A24B-EA30-4209-443BE1AC0491}"/>
+                <a16:creationId xmlns:a16="http://schemas.microsoft.com/office/drawing/2014/main" id="{639AB13E-69FD-0DA8-249A-723C42438236}"/>
               </a:ext>
             </a:extLst>
           </p:cNvPr>
@@ -21507,7 +21508,7 @@
             </a:fld>
             <a:r>
               <a:rPr lang="fr-FR"/>
-              <a:t> / 5</a:t>
+              <a:t> / 6</a:t>
             </a:r>
             <a:endParaRPr lang="fr-FR" dirty="0"/>
           </a:p>
@@ -21527,6 +21528,175 @@
 </file>
 
 <file path=ppt/slides/slide6.xml><?xml version="1.0" encoding="utf-8"?>
+<p:sld xmlns:a="http://schemas.openxmlformats.org/drawingml/2006/main" xmlns:r="http://schemas.openxmlformats.org/officeDocument/2006/relationships" xmlns:p="http://schemas.openxmlformats.org/presentationml/2006/main">
+  <p:cSld>
+    <p:spTree>
+      <p:nvGrpSpPr>
+        <p:cNvPr id="1" name=""/>
+        <p:cNvGrpSpPr/>
+        <p:nvPr/>
+      </p:nvGrpSpPr>
+      <p:grpSpPr>
+        <a:xfrm>
+          <a:off x="0" y="0"/>
+          <a:ext cx="0" cy="0"/>
+          <a:chOff x="0" y="0"/>
+          <a:chExt cx="0" cy="0"/>
+        </a:xfrm>
+      </p:grpSpPr>
+      <p:sp>
+        <p:nvSpPr>
+          <p:cNvPr id="2" name="Titre 1">
+            <a:extLst>
+              <a:ext uri="{FF2B5EF4-FFF2-40B4-BE49-F238E27FC236}">
+                <a16:creationId xmlns:a16="http://schemas.microsoft.com/office/drawing/2014/main" id="{4614F559-408D-08EA-837E-D4C557B2FC13}"/>
+              </a:ext>
+            </a:extLst>
+          </p:cNvPr>
+          <p:cNvSpPr>
+            <a:spLocks noGrp="1"/>
+          </p:cNvSpPr>
+          <p:nvPr>
+            <p:ph type="ctrTitle"/>
+          </p:nvPr>
+        </p:nvSpPr>
+        <p:spPr/>
+        <p:txBody>
+          <a:bodyPr/>
+          <a:lstStyle/>
+          <a:p>
+            <a:r>
+              <a:rPr lang="fr-FR" dirty="0"/>
+              <a:t>Project outputs</a:t>
+            </a:r>
+            <a:endParaRPr lang="en-US" dirty="0"/>
+          </a:p>
+        </p:txBody>
+      </p:sp>
+      <p:sp>
+        <p:nvSpPr>
+          <p:cNvPr id="3" name="Sous-titre 2">
+            <a:extLst>
+              <a:ext uri="{FF2B5EF4-FFF2-40B4-BE49-F238E27FC236}">
+                <a16:creationId xmlns:a16="http://schemas.microsoft.com/office/drawing/2014/main" id="{9C88BB02-F0DD-384C-4500-F5F9EDBACE6D}"/>
+              </a:ext>
+            </a:extLst>
+          </p:cNvPr>
+          <p:cNvSpPr>
+            <a:spLocks noGrp="1"/>
+          </p:cNvSpPr>
+          <p:nvPr>
+            <p:ph type="subTitle" idx="1"/>
+          </p:nvPr>
+        </p:nvSpPr>
+        <p:spPr/>
+        <p:txBody>
+          <a:bodyPr/>
+          <a:lstStyle/>
+          <a:p>
+            <a:endParaRPr lang="en-US" dirty="0"/>
+          </a:p>
+        </p:txBody>
+      </p:sp>
+      <p:sp>
+        <p:nvSpPr>
+          <p:cNvPr id="4" name="Espace réservé du texte 3">
+            <a:extLst>
+              <a:ext uri="{FF2B5EF4-FFF2-40B4-BE49-F238E27FC236}">
+                <a16:creationId xmlns:a16="http://schemas.microsoft.com/office/drawing/2014/main" id="{95C6F1CD-E977-F025-C702-FA8EF9AC798D}"/>
+              </a:ext>
+            </a:extLst>
+          </p:cNvPr>
+          <p:cNvSpPr>
+            <a:spLocks noGrp="1"/>
+          </p:cNvSpPr>
+          <p:nvPr>
+            <p:ph type="body" sz="quarter" idx="13"/>
+          </p:nvPr>
+        </p:nvSpPr>
+        <p:spPr/>
+        <p:txBody>
+          <a:bodyPr/>
+          <a:lstStyle/>
+          <a:p>
+            <a:r>
+              <a:rPr lang="fr-FR" dirty="0" err="1"/>
+              <a:t>Send</a:t>
+            </a:r>
+            <a:r>
+              <a:rPr lang="fr-FR" dirty="0"/>
+              <a:t> the 5 csv files + </a:t>
+            </a:r>
+            <a:r>
+              <a:rPr lang="fr-FR" dirty="0" err="1"/>
+              <a:t>Htlm</a:t>
+            </a:r>
+            <a:r>
+              <a:rPr lang="fr-FR" dirty="0"/>
+              <a:t> notebook to me by mail </a:t>
+            </a:r>
+            <a:r>
+              <a:rPr lang="fr-FR" dirty="0">
+                <a:hlinkClick r:id="rId2"/>
+              </a:rPr>
+              <a:t>alexandre.mathieu@cstb.fr</a:t>
+            </a:r>
+            <a:r>
+              <a:rPr lang="fr-FR" dirty="0"/>
+              <a:t> .</a:t>
+            </a:r>
+            <a:endParaRPr lang="en-US" dirty="0"/>
+          </a:p>
+        </p:txBody>
+      </p:sp>
+      <p:sp>
+        <p:nvSpPr>
+          <p:cNvPr id="6" name="Espace réservé du numéro de diapositive 5">
+            <a:extLst>
+              <a:ext uri="{FF2B5EF4-FFF2-40B4-BE49-F238E27FC236}">
+                <a16:creationId xmlns:a16="http://schemas.microsoft.com/office/drawing/2014/main" id="{556EE298-C585-6B5F-E7A0-F37EFC1FD84C}"/>
+              </a:ext>
+            </a:extLst>
+          </p:cNvPr>
+          <p:cNvSpPr>
+            <a:spLocks noGrp="1"/>
+          </p:cNvSpPr>
+          <p:nvPr>
+            <p:ph type="sldNum" sz="quarter" idx="4"/>
+          </p:nvPr>
+        </p:nvSpPr>
+        <p:spPr/>
+        <p:txBody>
+          <a:bodyPr/>
+          <a:lstStyle/>
+          <a:p>
+            <a:fld id="{3937482C-2EB8-4E8A-95AC-2DCDB10AFB49}" type="slidenum">
+              <a:rPr lang="fr-FR" smtClean="0"/>
+              <a:pPr/>
+              <a:t>6</a:t>
+            </a:fld>
+            <a:r>
+              <a:rPr lang="fr-FR"/>
+              <a:t> / 6</a:t>
+            </a:r>
+            <a:endParaRPr lang="fr-FR" dirty="0"/>
+          </a:p>
+        </p:txBody>
+      </p:sp>
+    </p:spTree>
+    <p:extLst>
+      <p:ext uri="{BB962C8B-B14F-4D97-AF65-F5344CB8AC3E}">
+        <p14:creationId xmlns:p14="http://schemas.microsoft.com/office/powerpoint/2010/main" val="3036744297"/>
+      </p:ext>
+    </p:extLst>
+  </p:cSld>
+  <p:clrMapOvr>
+    <a:masterClrMapping/>
+  </p:clrMapOvr>
+</p:sld>
+</file>
+
+<file path=ppt/slides/slide7.xml><?xml version="1.0" encoding="utf-8"?>
 <p:sld xmlns:a="http://schemas.openxmlformats.org/drawingml/2006/main" xmlns:r="http://schemas.openxmlformats.org/officeDocument/2006/relationships" xmlns:p="http://schemas.openxmlformats.org/presentationml/2006/main">
   <p:cSld>
     <p:spTree>
@@ -22580,6 +22750,26 @@
 </file>
 
 <file path=customXml/item1.xml><?xml version="1.0" encoding="utf-8"?>
+<?mso-contentType ?>
+<FormTemplates xmlns="http://schemas.microsoft.com/sharepoint/v3/contenttype/forms">
+  <Display>DocumentLibraryForm</Display>
+  <Edit>DocumentLibraryForm</Edit>
+  <New>DocumentLibraryForm</New>
+</FormTemplates>
+</file>
+
+<file path=customXml/item2.xml><?xml version="1.0" encoding="utf-8"?>
+<p:properties xmlns:p="http://schemas.microsoft.com/office/2006/metadata/properties" xmlns:xsi="http://www.w3.org/2001/XMLSchema-instance" xmlns:pc="http://schemas.microsoft.com/office/infopath/2007/PartnerControls">
+  <documentManagement>
+    <lcf76f155ced4ddcb4097134ff3c332f xmlns="4c2def87-6459-45fe-82b8-2c44ad774fe7">
+      <Terms xmlns="http://schemas.microsoft.com/office/infopath/2007/PartnerControls"/>
+    </lcf76f155ced4ddcb4097134ff3c332f>
+    <TaxCatchAll xmlns="284c3d22-818e-4cb3-91ed-c315e7cac822" xsi:nil="true"/>
+  </documentManagement>
+</p:properties>
+</file>
+
+<file path=customXml/item3.xml><?xml version="1.0" encoding="utf-8"?>
 <ct:contentTypeSchema xmlns:ct="http://schemas.microsoft.com/office/2006/metadata/contentType" xmlns:ma="http://schemas.microsoft.com/office/2006/metadata/properties/metaAttributes" ct:_="" ma:_="" ma:contentTypeName="Document" ma:contentTypeID="0x01010041F95B9FA815364FBC35CFCC50A6DF2E" ma:contentTypeVersion="14" ma:contentTypeDescription="Create a new document." ma:contentTypeScope="" ma:versionID="79a45fa4d5681b63d051de39515cb8e3">
   <xsd:schema xmlns:xsd="http://www.w3.org/2001/XMLSchema" xmlns:xs="http://www.w3.org/2001/XMLSchema" xmlns:p="http://schemas.microsoft.com/office/2006/metadata/properties" xmlns:ns2="4c2def87-6459-45fe-82b8-2c44ad774fe7" xmlns:ns3="284c3d22-818e-4cb3-91ed-c315e7cac822" targetNamespace="http://schemas.microsoft.com/office/2006/metadata/properties" ma:root="true" ma:fieldsID="8d96ec500039b56ee849b1547a40a351" ns2:_="" ns3:_="">
     <xsd:import namespace="4c2def87-6459-45fe-82b8-2c44ad774fe7"/>
@@ -22808,27 +22998,32 @@
 </ct:contentTypeSchema>
 </file>
 
-<file path=customXml/item2.xml><?xml version="1.0" encoding="utf-8"?>
-<p:properties xmlns:p="http://schemas.microsoft.com/office/2006/metadata/properties" xmlns:xsi="http://www.w3.org/2001/XMLSchema-instance" xmlns:pc="http://schemas.microsoft.com/office/infopath/2007/PartnerControls">
-  <documentManagement>
-    <lcf76f155ced4ddcb4097134ff3c332f xmlns="4c2def87-6459-45fe-82b8-2c44ad774fe7">
-      <Terms xmlns="http://schemas.microsoft.com/office/infopath/2007/PartnerControls"/>
-    </lcf76f155ced4ddcb4097134ff3c332f>
-    <TaxCatchAll xmlns="284c3d22-818e-4cb3-91ed-c315e7cac822" xsi:nil="true"/>
-  </documentManagement>
-</p:properties>
+<file path=customXml/itemProps1.xml><?xml version="1.0" encoding="utf-8"?>
+<ds:datastoreItem xmlns:ds="http://schemas.openxmlformats.org/officeDocument/2006/customXml" ds:itemID="{2664B94C-923D-4FDF-A77E-CE30A0087E87}">
+  <ds:schemaRefs>
+    <ds:schemaRef ds:uri="http://schemas.microsoft.com/sharepoint/v3/contenttype/forms"/>
+  </ds:schemaRefs>
+</ds:datastoreItem>
 </file>
 
-<file path=customXml/item3.xml><?xml version="1.0" encoding="utf-8"?>
-<?mso-contentType ?>
-<FormTemplates xmlns="http://schemas.microsoft.com/sharepoint/v3/contenttype/forms">
-  <Display>DocumentLibraryForm</Display>
-  <Edit>DocumentLibraryForm</Edit>
-  <New>DocumentLibraryForm</New>
-</FormTemplates>
+<file path=customXml/itemProps2.xml><?xml version="1.0" encoding="utf-8"?>
+<ds:datastoreItem xmlns:ds="http://schemas.openxmlformats.org/officeDocument/2006/customXml" ds:itemID="{ACD7CA8D-F7E9-4DB4-9EFF-5F098173D501}">
+  <ds:schemaRefs>
+    <ds:schemaRef ds:uri="http://purl.org/dc/terms/"/>
+    <ds:schemaRef ds:uri="http://purl.org/dc/dcmitype/"/>
+    <ds:schemaRef ds:uri="http://schemas.openxmlformats.org/package/2006/metadata/core-properties"/>
+    <ds:schemaRef ds:uri="4c2def87-6459-45fe-82b8-2c44ad774fe7"/>
+    <ds:schemaRef ds:uri="http://purl.org/dc/elements/1.1/"/>
+    <ds:schemaRef ds:uri="http://schemas.microsoft.com/office/2006/documentManagement/types"/>
+    <ds:schemaRef ds:uri="http://schemas.microsoft.com/office/2006/metadata/properties"/>
+    <ds:schemaRef ds:uri="http://schemas.microsoft.com/office/infopath/2007/PartnerControls"/>
+    <ds:schemaRef ds:uri="284c3d22-818e-4cb3-91ed-c315e7cac822"/>
+    <ds:schemaRef ds:uri="http://www.w3.org/XML/1998/namespace"/>
+  </ds:schemaRefs>
+</ds:datastoreItem>
 </file>
 
-<file path=customXml/itemProps1.xml><?xml version="1.0" encoding="utf-8"?>
+<file path=customXml/itemProps3.xml><?xml version="1.0" encoding="utf-8"?>
 <ds:datastoreItem xmlns:ds="http://schemas.openxmlformats.org/officeDocument/2006/customXml" ds:itemID="{D0A8C6C5-AEB9-4E3A-BA66-1F590519ED94}">
   <ds:schemaRefs>
     <ds:schemaRef ds:uri="http://schemas.microsoft.com/office/2006/metadata/contentType"/>
@@ -22845,29 +23040,4 @@
     <ds:schemaRef ds:uri="http://schemas.microsoft.com/internal/obd"/>
   </ds:schemaRefs>
 </ds:datastoreItem>
-</file>
-
-<file path=customXml/itemProps2.xml><?xml version="1.0" encoding="utf-8"?>
-<ds:datastoreItem xmlns:ds="http://schemas.openxmlformats.org/officeDocument/2006/customXml" ds:itemID="{ACD7CA8D-F7E9-4DB4-9EFF-5F098173D501}">
-  <ds:schemaRefs>
-    <ds:schemaRef ds:uri="http://purl.org/dc/elements/1.1/"/>
-    <ds:schemaRef ds:uri="http://schemas.microsoft.com/office/2006/documentManagement/types"/>
-    <ds:schemaRef ds:uri="284c3d22-818e-4cb3-91ed-c315e7cac822"/>
-    <ds:schemaRef ds:uri="http://schemas.openxmlformats.org/package/2006/metadata/core-properties"/>
-    <ds:schemaRef ds:uri="http://purl.org/dc/terms/"/>
-    <ds:schemaRef ds:uri="http://schemas.microsoft.com/office/infopath/2007/PartnerControls"/>
-    <ds:schemaRef ds:uri="http://purl.org/dc/dcmitype/"/>
-    <ds:schemaRef ds:uri="http://schemas.microsoft.com/office/2006/metadata/properties"/>
-    <ds:schemaRef ds:uri="4c2def87-6459-45fe-82b8-2c44ad774fe7"/>
-    <ds:schemaRef ds:uri="http://www.w3.org/XML/1998/namespace"/>
-  </ds:schemaRefs>
-</ds:datastoreItem>
-</file>
-
-<file path=customXml/itemProps3.xml><?xml version="1.0" encoding="utf-8"?>
-<ds:datastoreItem xmlns:ds="http://schemas.openxmlformats.org/officeDocument/2006/customXml" ds:itemID="{2664B94C-923D-4FDF-A77E-CE30A0087E87}">
-  <ds:schemaRefs>
-    <ds:schemaRef ds:uri="http://schemas.microsoft.com/sharepoint/v3/contenttype/forms"/>
-  </ds:schemaRefs>
-</ds:datastoreItem>
 </file>
--- a/slides/slides_22122023.pptx
+++ b/slides/slides_22122023.pptx
@@ -21625,7 +21625,15 @@
             </a:r>
             <a:r>
               <a:rPr lang="fr-FR" dirty="0"/>
-              <a:t> the 5 csv files + </a:t>
+              <a:t> </a:t>
+            </a:r>
+            <a:r>
+              <a:rPr lang="fr-FR"/>
+              <a:t>the 4 </a:t>
+            </a:r>
+            <a:r>
+              <a:rPr lang="fr-FR" dirty="0"/>
+              <a:t>csv files + </a:t>
             </a:r>
             <a:r>
               <a:rPr lang="fr-FR" dirty="0" err="1"/>
@@ -22750,26 +22758,6 @@
 </file>
 
 <file path=customXml/item1.xml><?xml version="1.0" encoding="utf-8"?>
-<?mso-contentType ?>
-<FormTemplates xmlns="http://schemas.microsoft.com/sharepoint/v3/contenttype/forms">
-  <Display>DocumentLibraryForm</Display>
-  <Edit>DocumentLibraryForm</Edit>
-  <New>DocumentLibraryForm</New>
-</FormTemplates>
-</file>
-
-<file path=customXml/item2.xml><?xml version="1.0" encoding="utf-8"?>
-<p:properties xmlns:p="http://schemas.microsoft.com/office/2006/metadata/properties" xmlns:xsi="http://www.w3.org/2001/XMLSchema-instance" xmlns:pc="http://schemas.microsoft.com/office/infopath/2007/PartnerControls">
-  <documentManagement>
-    <lcf76f155ced4ddcb4097134ff3c332f xmlns="4c2def87-6459-45fe-82b8-2c44ad774fe7">
-      <Terms xmlns="http://schemas.microsoft.com/office/infopath/2007/PartnerControls"/>
-    </lcf76f155ced4ddcb4097134ff3c332f>
-    <TaxCatchAll xmlns="284c3d22-818e-4cb3-91ed-c315e7cac822" xsi:nil="true"/>
-  </documentManagement>
-</p:properties>
-</file>
-
-<file path=customXml/item3.xml><?xml version="1.0" encoding="utf-8"?>
 <ct:contentTypeSchema xmlns:ct="http://schemas.microsoft.com/office/2006/metadata/contentType" xmlns:ma="http://schemas.microsoft.com/office/2006/metadata/properties/metaAttributes" ct:_="" ma:_="" ma:contentTypeName="Document" ma:contentTypeID="0x01010041F95B9FA815364FBC35CFCC50A6DF2E" ma:contentTypeVersion="14" ma:contentTypeDescription="Create a new document." ma:contentTypeScope="" ma:versionID="79a45fa4d5681b63d051de39515cb8e3">
   <xsd:schema xmlns:xsd="http://www.w3.org/2001/XMLSchema" xmlns:xs="http://www.w3.org/2001/XMLSchema" xmlns:p="http://schemas.microsoft.com/office/2006/metadata/properties" xmlns:ns2="4c2def87-6459-45fe-82b8-2c44ad774fe7" xmlns:ns3="284c3d22-818e-4cb3-91ed-c315e7cac822" targetNamespace="http://schemas.microsoft.com/office/2006/metadata/properties" ma:root="true" ma:fieldsID="8d96ec500039b56ee849b1547a40a351" ns2:_="" ns3:_="">
     <xsd:import namespace="4c2def87-6459-45fe-82b8-2c44ad774fe7"/>
@@ -22998,10 +22986,41 @@
 </ct:contentTypeSchema>
 </file>
 
+<file path=customXml/item2.xml><?xml version="1.0" encoding="utf-8"?>
+<p:properties xmlns:p="http://schemas.microsoft.com/office/2006/metadata/properties" xmlns:xsi="http://www.w3.org/2001/XMLSchema-instance" xmlns:pc="http://schemas.microsoft.com/office/infopath/2007/PartnerControls">
+  <documentManagement>
+    <lcf76f155ced4ddcb4097134ff3c332f xmlns="4c2def87-6459-45fe-82b8-2c44ad774fe7">
+      <Terms xmlns="http://schemas.microsoft.com/office/infopath/2007/PartnerControls"/>
+    </lcf76f155ced4ddcb4097134ff3c332f>
+    <TaxCatchAll xmlns="284c3d22-818e-4cb3-91ed-c315e7cac822" xsi:nil="true"/>
+  </documentManagement>
+</p:properties>
+</file>
+
+<file path=customXml/item3.xml><?xml version="1.0" encoding="utf-8"?>
+<?mso-contentType ?>
+<FormTemplates xmlns="http://schemas.microsoft.com/sharepoint/v3/contenttype/forms">
+  <Display>DocumentLibraryForm</Display>
+  <Edit>DocumentLibraryForm</Edit>
+  <New>DocumentLibraryForm</New>
+</FormTemplates>
+</file>
+
 <file path=customXml/itemProps1.xml><?xml version="1.0" encoding="utf-8"?>
-<ds:datastoreItem xmlns:ds="http://schemas.openxmlformats.org/officeDocument/2006/customXml" ds:itemID="{2664B94C-923D-4FDF-A77E-CE30A0087E87}">
+<ds:datastoreItem xmlns:ds="http://schemas.openxmlformats.org/officeDocument/2006/customXml" ds:itemID="{D0A8C6C5-AEB9-4E3A-BA66-1F590519ED94}">
   <ds:schemaRefs>
-    <ds:schemaRef ds:uri="http://schemas.microsoft.com/sharepoint/v3/contenttype/forms"/>
+    <ds:schemaRef ds:uri="http://schemas.microsoft.com/office/2006/metadata/contentType"/>
+    <ds:schemaRef ds:uri="http://schemas.microsoft.com/office/2006/metadata/properties/metaAttributes"/>
+    <ds:schemaRef ds:uri="http://www.w3.org/2001/XMLSchema"/>
+    <ds:schemaRef ds:uri="http://schemas.microsoft.com/office/2006/metadata/properties"/>
+    <ds:schemaRef ds:uri="4c2def87-6459-45fe-82b8-2c44ad774fe7"/>
+    <ds:schemaRef ds:uri="284c3d22-818e-4cb3-91ed-c315e7cac822"/>
+    <ds:schemaRef ds:uri="http://schemas.microsoft.com/office/2006/documentManagement/types"/>
+    <ds:schemaRef ds:uri="http://schemas.microsoft.com/office/infopath/2007/PartnerControls"/>
+    <ds:schemaRef ds:uri="http://schemas.openxmlformats.org/package/2006/metadata/core-properties"/>
+    <ds:schemaRef ds:uri="http://purl.org/dc/elements/1.1/"/>
+    <ds:schemaRef ds:uri="http://purl.org/dc/terms/"/>
+    <ds:schemaRef ds:uri="http://schemas.microsoft.com/internal/obd"/>
   </ds:schemaRefs>
 </ds:datastoreItem>
 </file>
@@ -23024,20 +23043,9 @@
 </file>
 
 <file path=customXml/itemProps3.xml><?xml version="1.0" encoding="utf-8"?>
-<ds:datastoreItem xmlns:ds="http://schemas.openxmlformats.org/officeDocument/2006/customXml" ds:itemID="{D0A8C6C5-AEB9-4E3A-BA66-1F590519ED94}">
+<ds:datastoreItem xmlns:ds="http://schemas.openxmlformats.org/officeDocument/2006/customXml" ds:itemID="{2664B94C-923D-4FDF-A77E-CE30A0087E87}">
   <ds:schemaRefs>
-    <ds:schemaRef ds:uri="http://schemas.microsoft.com/office/2006/metadata/contentType"/>
-    <ds:schemaRef ds:uri="http://schemas.microsoft.com/office/2006/metadata/properties/metaAttributes"/>
-    <ds:schemaRef ds:uri="http://www.w3.org/2001/XMLSchema"/>
-    <ds:schemaRef ds:uri="http://schemas.microsoft.com/office/2006/metadata/properties"/>
-    <ds:schemaRef ds:uri="4c2def87-6459-45fe-82b8-2c44ad774fe7"/>
-    <ds:schemaRef ds:uri="284c3d22-818e-4cb3-91ed-c315e7cac822"/>
-    <ds:schemaRef ds:uri="http://schemas.microsoft.com/office/2006/documentManagement/types"/>
-    <ds:schemaRef ds:uri="http://schemas.microsoft.com/office/infopath/2007/PartnerControls"/>
-    <ds:schemaRef ds:uri="http://schemas.openxmlformats.org/package/2006/metadata/core-properties"/>
-    <ds:schemaRef ds:uri="http://purl.org/dc/elements/1.1/"/>
-    <ds:schemaRef ds:uri="http://purl.org/dc/terms/"/>
-    <ds:schemaRef ds:uri="http://schemas.microsoft.com/internal/obd"/>
+    <ds:schemaRef ds:uri="http://schemas.microsoft.com/sharepoint/v3/contenttype/forms"/>
   </ds:schemaRefs>
 </ds:datastoreItem>
 </file>